--- a/Equip_B/results/S2_Presentacion.pptx
+++ b/Equip_B/results/S2_Presentacion.pptx
@@ -350,7 +350,7 @@
             <a:pPr rtl="0"/>
             <a:fld id="{682C0B10-7CAE-41E4-AB02-7E8B1FF2B898}" type="slidenum">
               <a:rPr lang="es-ES" smtClean="0"/>
-              <a:t>‹Nº›</a:t>
+              <a:t>‹#›</a:t>
             </a:fld>
             <a:endParaRPr lang="es-ES"/>
           </a:p>
@@ -613,7 +613,7 @@
             <a:pPr rtl="0"/>
             <a:fld id="{8530193B-564F-4854-8A52-728F3FB19C85}" type="slidenum">
               <a:rPr lang="es-ES" noProof="0" smtClean="0"/>
-              <a:t>‹Nº›</a:t>
+              <a:t>‹#›</a:t>
             </a:fld>
             <a:endParaRPr lang="es-ES" noProof="0"/>
           </a:p>
@@ -9112,7 +9112,7 @@
                 </a:solidFill>
               </a:rPr>
               <a:pPr algn="r" rtl="0"/>
-              <a:t>‹Nº›</a:t>
+              <a:t>‹#›</a:t>
             </a:fld>
             <a:endParaRPr lang="es-ES" sz="1100" noProof="0">
               <a:solidFill>
@@ -19967,7 +19967,7 @@
         <p:spPr>
           <a:xfrm>
             <a:off x="1977738" y="4615143"/>
-            <a:ext cx="3874360" cy="1413153"/>
+            <a:ext cx="3874360" cy="2026087"/>
           </a:xfrm>
           <a:prstGeom prst="roundRect">
             <a:avLst/>
@@ -20006,6 +20006,10 @@
               <a:buFont typeface="Arial" panose="020B0604020202020204" pitchFamily="34" charset="0"/>
               <a:buChar char="•"/>
             </a:pPr>
+            <a:r>
+              <a:rPr lang="es-ES" sz="1200" b="0" dirty="0"/>
+              <a:t>Mejorar las condiciones puntualmente en caso de necesidad para que no caigan en impago: Bajar las cuotas por un determinado tiempo o alargar el periodo de pago.</a:t>
+            </a:r>
             <a:endParaRPr lang="es-ES" sz="1200" dirty="0"/>
           </a:p>
           <a:p>
@@ -20091,7 +20095,7 @@
         </p:nvSpPr>
         <p:spPr>
           <a:xfrm>
-            <a:off x="7696039" y="2773705"/>
+            <a:off x="7696039" y="2662833"/>
             <a:ext cx="3873600" cy="1532334"/>
           </a:xfrm>
           <a:prstGeom prst="roundRect">
@@ -20151,7 +20155,7 @@
             </a:pPr>
             <a:r>
               <a:rPr lang="es-ES" b="0" dirty="0"/>
-              <a:t>Los que también tienen préstamo puede que lo hayan pedido para reformar la casa y eso sea una señal de que tienen más ingresos.</a:t>
+              <a:t>Los que también tienen préstamo es porque tienen más ingresos y mayor salud financiera. Sino no se les hubiera concedido préstamo + hipoteca.</a:t>
             </a:r>
           </a:p>
         </p:txBody>
@@ -20170,8 +20174,8 @@
         </p:nvSpPr>
         <p:spPr>
           <a:xfrm>
-            <a:off x="7696039" y="4555553"/>
-            <a:ext cx="3873600" cy="1532334"/>
+            <a:off x="7696039" y="4335996"/>
+            <a:ext cx="3873600" cy="2145268"/>
           </a:xfrm>
           <a:prstGeom prst="roundRect">
             <a:avLst/>
@@ -20220,7 +20224,10 @@
               <a:buFont typeface="Arial" panose="020B0604020202020204" pitchFamily="34" charset="0"/>
               <a:buChar char="•"/>
             </a:pPr>
-            <a:endParaRPr lang="es-ES" b="0" dirty="0"/>
+            <a:r>
+              <a:rPr lang="es-ES" b="0" dirty="0"/>
+              <a:t>Poder suavizar las condiciones puntualmente en caso de necesidad para que no caigan en impago: Bajar las cuotas por un determinado tiempo o alargar el periodo de pago.</a:t>
+            </a:r>
           </a:p>
           <a:p>
             <a:pPr marL="171450" indent="-171450">
@@ -20232,7 +20239,7 @@
             </a:pPr>
             <a:r>
               <a:rPr lang="es-ES" b="0" dirty="0"/>
-              <a:t>Poder suavizar las condiciones puntualmente en caso de necesidad para que no caigan en impago: Congelar el pago de intereses y así bajar las cuotas por un determinado tiempo o alargar el periodo de pago.</a:t>
+              <a:t>Para aquellos con hipotecas, ofrecer líneas de crédito adicionales respaldadas por la propiedad que puedan ser utilizadas para la consolidación de deudas o la realización de mejoras en su situación financiera.</a:t>
             </a:r>
           </a:p>
         </p:txBody>
@@ -20251,7 +20258,7 @@
         </p:nvSpPr>
         <p:spPr>
           <a:xfrm>
-            <a:off x="6371770" y="2954006"/>
+            <a:off x="6373870" y="2843134"/>
             <a:ext cx="1173600" cy="1171731"/>
           </a:xfrm>
           <a:prstGeom prst="ellipse">
@@ -25861,6 +25868,15 @@
 </file>
 
 <file path=customXml/item1.xml><?xml version="1.0" encoding="utf-8"?>
+<?mso-contentType ?>
+<FormTemplates xmlns="http://schemas.microsoft.com/sharepoint/v3/contenttype/forms">
+  <Display>DocumentLibraryForm</Display>
+  <Edit>DocumentLibraryForm</Edit>
+  <New>DocumentLibraryForm</New>
+</FormTemplates>
+</file>
+
+<file path=customXml/item2.xml><?xml version="1.0" encoding="utf-8"?>
 <ct:contentTypeSchema xmlns:ct="http://schemas.microsoft.com/office/2006/metadata/contentType" xmlns:ma="http://schemas.microsoft.com/office/2006/metadata/properties/metaAttributes" ct:_="" ma:_="" ma:contentTypeName="Document" ma:contentTypeID="0x01010079F111ED35F8CC479449609E8A0923A6" ma:contentTypeVersion="12" ma:contentTypeDescription="Create a new document." ma:contentTypeScope="" ma:versionID="426e97fa315356fffbdcd9876fe988c2">
   <xsd:schema xmlns:xsd="http://www.w3.org/2001/XMLSchema" xmlns:xs="http://www.w3.org/2001/XMLSchema" xmlns:p="http://schemas.microsoft.com/office/2006/metadata/properties" xmlns:ns2="71af3243-3dd4-4a8d-8c0d-dd76da1f02a5" xmlns:ns3="16c05727-aa75-4e4a-9b5f-8a80a1165891" targetNamespace="http://schemas.microsoft.com/office/2006/metadata/properties" ma:root="true" ma:fieldsID="14b8f0def80e6d70ce3def20c90759ae" ns2:_="" ns3:_="">
     <xsd:import namespace="71af3243-3dd4-4a8d-8c0d-dd76da1f02a5"/>
@@ -26081,15 +26097,6 @@
 </ct:contentTypeSchema>
 </file>
 
-<file path=customXml/item2.xml><?xml version="1.0" encoding="utf-8"?>
-<?mso-contentType ?>
-<FormTemplates xmlns="http://schemas.microsoft.com/sharepoint/v3/contenttype/forms">
-  <Display>DocumentLibraryForm</Display>
-  <Edit>DocumentLibraryForm</Edit>
-  <New>DocumentLibraryForm</New>
-</FormTemplates>
-</file>
-
 <file path=customXml/item3.xml><?xml version="1.0" encoding="utf-8"?>
 <p:properties xmlns:p="http://schemas.microsoft.com/office/2006/metadata/properties" xmlns:xsi="http://www.w3.org/2001/XMLSchema-instance" xmlns:pc="http://schemas.microsoft.com/office/infopath/2007/PartnerControls">
   <documentManagement>
@@ -26100,6 +26107,14 @@
 </file>
 
 <file path=customXml/itemProps1.xml><?xml version="1.0" encoding="utf-8"?>
+<ds:datastoreItem xmlns:ds="http://schemas.openxmlformats.org/officeDocument/2006/customXml" ds:itemID="{05D99ABA-76CE-4A8E-B5F0-C051B96628DE}">
+  <ds:schemaRefs>
+    <ds:schemaRef ds:uri="http://schemas.microsoft.com/sharepoint/v3/contenttype/forms"/>
+  </ds:schemaRefs>
+</ds:datastoreItem>
+</file>
+
+<file path=customXml/itemProps2.xml><?xml version="1.0" encoding="utf-8"?>
 <ds:datastoreItem xmlns:ds="http://schemas.openxmlformats.org/officeDocument/2006/customXml" ds:itemID="{B19EB750-A6DA-4BE8-B87B-FC499FE73360}">
   <ds:schemaRefs>
     <ds:schemaRef ds:uri="http://schemas.microsoft.com/office/2006/metadata/contentType"/>
@@ -26118,14 +26133,6 @@
 </ds:datastoreItem>
 </file>
 
-<file path=customXml/itemProps2.xml><?xml version="1.0" encoding="utf-8"?>
-<ds:datastoreItem xmlns:ds="http://schemas.openxmlformats.org/officeDocument/2006/customXml" ds:itemID="{05D99ABA-76CE-4A8E-B5F0-C051B96628DE}">
-  <ds:schemaRefs>
-    <ds:schemaRef ds:uri="http://schemas.microsoft.com/sharepoint/v3/contenttype/forms"/>
-  </ds:schemaRefs>
-</ds:datastoreItem>
-</file>
-
 <file path=customXml/itemProps3.xml><?xml version="1.0" encoding="utf-8"?>
 <ds:datastoreItem xmlns:ds="http://schemas.openxmlformats.org/officeDocument/2006/customXml" ds:itemID="{4DEA9014-ED64-4558-B1E1-D03F0EE32BEB}">
   <ds:schemaRefs>

--- a/Equip_B/results/S2_Presentacion.pptx
+++ b/Equip_B/results/S2_Presentacion.pptx
@@ -25868,15 +25868,6 @@
 </file>
 
 <file path=customXml/item1.xml><?xml version="1.0" encoding="utf-8"?>
-<?mso-contentType ?>
-<FormTemplates xmlns="http://schemas.microsoft.com/sharepoint/v3/contenttype/forms">
-  <Display>DocumentLibraryForm</Display>
-  <Edit>DocumentLibraryForm</Edit>
-  <New>DocumentLibraryForm</New>
-</FormTemplates>
-</file>
-
-<file path=customXml/item2.xml><?xml version="1.0" encoding="utf-8"?>
 <ct:contentTypeSchema xmlns:ct="http://schemas.microsoft.com/office/2006/metadata/contentType" xmlns:ma="http://schemas.microsoft.com/office/2006/metadata/properties/metaAttributes" ct:_="" ma:_="" ma:contentTypeName="Document" ma:contentTypeID="0x01010079F111ED35F8CC479449609E8A0923A6" ma:contentTypeVersion="12" ma:contentTypeDescription="Create a new document." ma:contentTypeScope="" ma:versionID="426e97fa315356fffbdcd9876fe988c2">
   <xsd:schema xmlns:xsd="http://www.w3.org/2001/XMLSchema" xmlns:xs="http://www.w3.org/2001/XMLSchema" xmlns:p="http://schemas.microsoft.com/office/2006/metadata/properties" xmlns:ns2="71af3243-3dd4-4a8d-8c0d-dd76da1f02a5" xmlns:ns3="16c05727-aa75-4e4a-9b5f-8a80a1165891" targetNamespace="http://schemas.microsoft.com/office/2006/metadata/properties" ma:root="true" ma:fieldsID="14b8f0def80e6d70ce3def20c90759ae" ns2:_="" ns3:_="">
     <xsd:import namespace="71af3243-3dd4-4a8d-8c0d-dd76da1f02a5"/>
@@ -26097,6 +26088,15 @@
 </ct:contentTypeSchema>
 </file>
 
+<file path=customXml/item2.xml><?xml version="1.0" encoding="utf-8"?>
+<?mso-contentType ?>
+<FormTemplates xmlns="http://schemas.microsoft.com/sharepoint/v3/contenttype/forms">
+  <Display>DocumentLibraryForm</Display>
+  <Edit>DocumentLibraryForm</Edit>
+  <New>DocumentLibraryForm</New>
+</FormTemplates>
+</file>
+
 <file path=customXml/item3.xml><?xml version="1.0" encoding="utf-8"?>
 <p:properties xmlns:p="http://schemas.microsoft.com/office/2006/metadata/properties" xmlns:xsi="http://www.w3.org/2001/XMLSchema-instance" xmlns:pc="http://schemas.microsoft.com/office/infopath/2007/PartnerControls">
   <documentManagement>
@@ -26107,14 +26107,6 @@
 </file>
 
 <file path=customXml/itemProps1.xml><?xml version="1.0" encoding="utf-8"?>
-<ds:datastoreItem xmlns:ds="http://schemas.openxmlformats.org/officeDocument/2006/customXml" ds:itemID="{05D99ABA-76CE-4A8E-B5F0-C051B96628DE}">
-  <ds:schemaRefs>
-    <ds:schemaRef ds:uri="http://schemas.microsoft.com/sharepoint/v3/contenttype/forms"/>
-  </ds:schemaRefs>
-</ds:datastoreItem>
-</file>
-
-<file path=customXml/itemProps2.xml><?xml version="1.0" encoding="utf-8"?>
 <ds:datastoreItem xmlns:ds="http://schemas.openxmlformats.org/officeDocument/2006/customXml" ds:itemID="{B19EB750-A6DA-4BE8-B87B-FC499FE73360}">
   <ds:schemaRefs>
     <ds:schemaRef ds:uri="http://schemas.microsoft.com/office/2006/metadata/contentType"/>
@@ -26133,6 +26125,14 @@
 </ds:datastoreItem>
 </file>
 
+<file path=customXml/itemProps2.xml><?xml version="1.0" encoding="utf-8"?>
+<ds:datastoreItem xmlns:ds="http://schemas.openxmlformats.org/officeDocument/2006/customXml" ds:itemID="{05D99ABA-76CE-4A8E-B5F0-C051B96628DE}">
+  <ds:schemaRefs>
+    <ds:schemaRef ds:uri="http://schemas.microsoft.com/sharepoint/v3/contenttype/forms"/>
+  </ds:schemaRefs>
+</ds:datastoreItem>
+</file>
+
 <file path=customXml/itemProps3.xml><?xml version="1.0" encoding="utf-8"?>
 <ds:datastoreItem xmlns:ds="http://schemas.openxmlformats.org/officeDocument/2006/customXml" ds:itemID="{4DEA9014-ED64-4558-B1E1-D03F0EE32BEB}">
   <ds:schemaRefs>

--- a/Equip_B/results/S2_Presentacion.pptx
+++ b/Equip_B/results/S2_Presentacion.pptx
@@ -23882,7 +23882,7 @@
         <p:spPr>
           <a:xfrm>
             <a:off x="3728391" y="2181497"/>
-            <a:ext cx="2899755" cy="1208842"/>
+            <a:ext cx="2899755" cy="987504"/>
           </a:xfrm>
           <a:prstGeom prst="roundRect">
             <a:avLst/>
@@ -23935,13 +23935,6 @@
               <a:t>- Fondos de inversión </a:t>
             </a:r>
           </a:p>
-          <a:p>
-            <a:pPr lvl="1"/>
-            <a:r>
-              <a:rPr lang="es-ES" sz="1300" dirty="0"/>
-              <a:t>- Seguros de vida familiar</a:t>
-            </a:r>
-          </a:p>
         </p:txBody>
       </p:sp>
       <p:sp>
@@ -24015,7 +24008,7 @@
         <p:spPr>
           <a:xfrm>
             <a:off x="6985734" y="2181497"/>
-            <a:ext cx="2899755" cy="987504"/>
+            <a:ext cx="2899755" cy="1038582"/>
           </a:xfrm>
           <a:prstGeom prst="roundRect">
             <a:avLst/>
@@ -24051,8 +24044,13 @@
             <a:pPr lvl="1"/>
             <a:r>
               <a:rPr lang="es-ES" sz="1300" dirty="0"/>
-              <a:t>- Condiciones ventajosas para la compra de vivienda o propiedades adicionales</a:t>
-            </a:r>
+              <a:t>- </a:t>
+            </a:r>
+            <a:r>
+              <a:rPr lang="es-ES" sz="1400" dirty="0"/>
+              <a:t>Seguros de salud familiar o cuentas de ahorro para la educación de los hijos</a:t>
+            </a:r>
+            <a:endParaRPr lang="es-ES" sz="1300" dirty="0"/>
           </a:p>
         </p:txBody>
       </p:sp>
@@ -25861,6 +25859,15 @@
 </file>
 
 <file path=customXml/item1.xml><?xml version="1.0" encoding="utf-8"?>
+<?mso-contentType ?>
+<FormTemplates xmlns="http://schemas.microsoft.com/sharepoint/v3/contenttype/forms">
+  <Display>DocumentLibraryForm</Display>
+  <Edit>DocumentLibraryForm</Edit>
+  <New>DocumentLibraryForm</New>
+</FormTemplates>
+</file>
+
+<file path=customXml/item2.xml><?xml version="1.0" encoding="utf-8"?>
 <ct:contentTypeSchema xmlns:ct="http://schemas.microsoft.com/office/2006/metadata/contentType" xmlns:ma="http://schemas.microsoft.com/office/2006/metadata/properties/metaAttributes" ct:_="" ma:_="" ma:contentTypeName="Document" ma:contentTypeID="0x01010079F111ED35F8CC479449609E8A0923A6" ma:contentTypeVersion="12" ma:contentTypeDescription="Create a new document." ma:contentTypeScope="" ma:versionID="426e97fa315356fffbdcd9876fe988c2">
   <xsd:schema xmlns:xsd="http://www.w3.org/2001/XMLSchema" xmlns:xs="http://www.w3.org/2001/XMLSchema" xmlns:p="http://schemas.microsoft.com/office/2006/metadata/properties" xmlns:ns2="71af3243-3dd4-4a8d-8c0d-dd76da1f02a5" xmlns:ns3="16c05727-aa75-4e4a-9b5f-8a80a1165891" targetNamespace="http://schemas.microsoft.com/office/2006/metadata/properties" ma:root="true" ma:fieldsID="14b8f0def80e6d70ce3def20c90759ae" ns2:_="" ns3:_="">
     <xsd:import namespace="71af3243-3dd4-4a8d-8c0d-dd76da1f02a5"/>
@@ -26081,15 +26088,6 @@
 </ct:contentTypeSchema>
 </file>
 
-<file path=customXml/item2.xml><?xml version="1.0" encoding="utf-8"?>
-<?mso-contentType ?>
-<FormTemplates xmlns="http://schemas.microsoft.com/sharepoint/v3/contenttype/forms">
-  <Display>DocumentLibraryForm</Display>
-  <Edit>DocumentLibraryForm</Edit>
-  <New>DocumentLibraryForm</New>
-</FormTemplates>
-</file>
-
 <file path=customXml/item3.xml><?xml version="1.0" encoding="utf-8"?>
 <p:properties xmlns:p="http://schemas.microsoft.com/office/2006/metadata/properties" xmlns:xsi="http://www.w3.org/2001/XMLSchema-instance" xmlns:pc="http://schemas.microsoft.com/office/infopath/2007/PartnerControls">
   <documentManagement>
@@ -26100,6 +26098,14 @@
 </file>
 
 <file path=customXml/itemProps1.xml><?xml version="1.0" encoding="utf-8"?>
+<ds:datastoreItem xmlns:ds="http://schemas.openxmlformats.org/officeDocument/2006/customXml" ds:itemID="{05D99ABA-76CE-4A8E-B5F0-C051B96628DE}">
+  <ds:schemaRefs>
+    <ds:schemaRef ds:uri="http://schemas.microsoft.com/sharepoint/v3/contenttype/forms"/>
+  </ds:schemaRefs>
+</ds:datastoreItem>
+</file>
+
+<file path=customXml/itemProps2.xml><?xml version="1.0" encoding="utf-8"?>
 <ds:datastoreItem xmlns:ds="http://schemas.openxmlformats.org/officeDocument/2006/customXml" ds:itemID="{B19EB750-A6DA-4BE8-B87B-FC499FE73360}">
   <ds:schemaRefs>
     <ds:schemaRef ds:uri="http://schemas.microsoft.com/office/2006/metadata/contentType"/>
@@ -26118,14 +26124,6 @@
 </ds:datastoreItem>
 </file>
 
-<file path=customXml/itemProps2.xml><?xml version="1.0" encoding="utf-8"?>
-<ds:datastoreItem xmlns:ds="http://schemas.openxmlformats.org/officeDocument/2006/customXml" ds:itemID="{05D99ABA-76CE-4A8E-B5F0-C051B96628DE}">
-  <ds:schemaRefs>
-    <ds:schemaRef ds:uri="http://schemas.microsoft.com/sharepoint/v3/contenttype/forms"/>
-  </ds:schemaRefs>
-</ds:datastoreItem>
-</file>
-
 <file path=customXml/itemProps3.xml><?xml version="1.0" encoding="utf-8"?>
 <ds:datastoreItem xmlns:ds="http://schemas.openxmlformats.org/officeDocument/2006/customXml" ds:itemID="{4DEA9014-ED64-4558-B1E1-D03F0EE32BEB}">
   <ds:schemaRefs>

--- a/Equip_B/results/S2_Presentacion.pptx
+++ b/Equip_B/results/S2_Presentacion.pptx
@@ -19967,7 +19967,7 @@
         <p:spPr>
           <a:xfrm>
             <a:off x="1977738" y="4615143"/>
-            <a:ext cx="3874360" cy="2026087"/>
+            <a:ext cx="3874360" cy="1821775"/>
           </a:xfrm>
           <a:prstGeom prst="roundRect">
             <a:avLst/>
@@ -20008,7 +20008,7 @@
             </a:pPr>
             <a:r>
               <a:rPr lang="es-ES" sz="1200" b="0" dirty="0"/>
-              <a:t>Mejorar las condiciones puntualmente en caso de necesidad para que no caigan en impago: Bajar las cuotas por un determinado tiempo o alargar el periodo de pago.</a:t>
+              <a:t>Mejorar las condiciones puntualmente en caso de necesidad para que no caigan en impago: Bajar las cuotas por un tiempo o alargar el periodo de pago.</a:t>
             </a:r>
             <a:endParaRPr lang="es-ES" sz="1200" dirty="0"/>
           </a:p>
@@ -20175,7 +20175,7 @@
         <p:spPr>
           <a:xfrm>
             <a:off x="7696039" y="4335996"/>
-            <a:ext cx="3873600" cy="2145268"/>
+            <a:ext cx="3873600" cy="1940957"/>
           </a:xfrm>
           <a:prstGeom prst="roundRect">
             <a:avLst/>
@@ -20226,7 +20226,15 @@
             </a:pPr>
             <a:r>
               <a:rPr lang="es-ES" b="0" dirty="0"/>
-              <a:t>Poder suavizar las condiciones puntualmente en caso de necesidad para que no caigan en impago: Bajar las cuotas por un determinado tiempo o alargar el periodo de pago.</a:t>
+              <a:t>Poder suavizar las condiciones puntualmente en caso de necesidad para que no caigan en impago: Bajar las cuotas por </a:t>
+            </a:r>
+            <a:r>
+              <a:rPr lang="es-ES" b="0"/>
+              <a:t>un tiempo </a:t>
+            </a:r>
+            <a:r>
+              <a:rPr lang="es-ES" b="0" dirty="0"/>
+              <a:t>o alargar el periodo de pago.</a:t>
             </a:r>
           </a:p>
           <a:p>
@@ -25868,6 +25876,15 @@
 </file>
 
 <file path=customXml/item1.xml><?xml version="1.0" encoding="utf-8"?>
+<?mso-contentType ?>
+<FormTemplates xmlns="http://schemas.microsoft.com/sharepoint/v3/contenttype/forms">
+  <Display>DocumentLibraryForm</Display>
+  <Edit>DocumentLibraryForm</Edit>
+  <New>DocumentLibraryForm</New>
+</FormTemplates>
+</file>
+
+<file path=customXml/item2.xml><?xml version="1.0" encoding="utf-8"?>
 <ct:contentTypeSchema xmlns:ct="http://schemas.microsoft.com/office/2006/metadata/contentType" xmlns:ma="http://schemas.microsoft.com/office/2006/metadata/properties/metaAttributes" ct:_="" ma:_="" ma:contentTypeName="Document" ma:contentTypeID="0x01010079F111ED35F8CC479449609E8A0923A6" ma:contentTypeVersion="12" ma:contentTypeDescription="Create a new document." ma:contentTypeScope="" ma:versionID="426e97fa315356fffbdcd9876fe988c2">
   <xsd:schema xmlns:xsd="http://www.w3.org/2001/XMLSchema" xmlns:xs="http://www.w3.org/2001/XMLSchema" xmlns:p="http://schemas.microsoft.com/office/2006/metadata/properties" xmlns:ns2="71af3243-3dd4-4a8d-8c0d-dd76da1f02a5" xmlns:ns3="16c05727-aa75-4e4a-9b5f-8a80a1165891" targetNamespace="http://schemas.microsoft.com/office/2006/metadata/properties" ma:root="true" ma:fieldsID="14b8f0def80e6d70ce3def20c90759ae" ns2:_="" ns3:_="">
     <xsd:import namespace="71af3243-3dd4-4a8d-8c0d-dd76da1f02a5"/>
@@ -26088,15 +26105,6 @@
 </ct:contentTypeSchema>
 </file>
 
-<file path=customXml/item2.xml><?xml version="1.0" encoding="utf-8"?>
-<?mso-contentType ?>
-<FormTemplates xmlns="http://schemas.microsoft.com/sharepoint/v3/contenttype/forms">
-  <Display>DocumentLibraryForm</Display>
-  <Edit>DocumentLibraryForm</Edit>
-  <New>DocumentLibraryForm</New>
-</FormTemplates>
-</file>
-
 <file path=customXml/item3.xml><?xml version="1.0" encoding="utf-8"?>
 <p:properties xmlns:p="http://schemas.microsoft.com/office/2006/metadata/properties" xmlns:xsi="http://www.w3.org/2001/XMLSchema-instance" xmlns:pc="http://schemas.microsoft.com/office/infopath/2007/PartnerControls">
   <documentManagement>
@@ -26107,6 +26115,14 @@
 </file>
 
 <file path=customXml/itemProps1.xml><?xml version="1.0" encoding="utf-8"?>
+<ds:datastoreItem xmlns:ds="http://schemas.openxmlformats.org/officeDocument/2006/customXml" ds:itemID="{05D99ABA-76CE-4A8E-B5F0-C051B96628DE}">
+  <ds:schemaRefs>
+    <ds:schemaRef ds:uri="http://schemas.microsoft.com/sharepoint/v3/contenttype/forms"/>
+  </ds:schemaRefs>
+</ds:datastoreItem>
+</file>
+
+<file path=customXml/itemProps2.xml><?xml version="1.0" encoding="utf-8"?>
 <ds:datastoreItem xmlns:ds="http://schemas.openxmlformats.org/officeDocument/2006/customXml" ds:itemID="{B19EB750-A6DA-4BE8-B87B-FC499FE73360}">
   <ds:schemaRefs>
     <ds:schemaRef ds:uri="http://schemas.microsoft.com/office/2006/metadata/contentType"/>
@@ -26125,14 +26141,6 @@
 </ds:datastoreItem>
 </file>
 
-<file path=customXml/itemProps2.xml><?xml version="1.0" encoding="utf-8"?>
-<ds:datastoreItem xmlns:ds="http://schemas.openxmlformats.org/officeDocument/2006/customXml" ds:itemID="{05D99ABA-76CE-4A8E-B5F0-C051B96628DE}">
-  <ds:schemaRefs>
-    <ds:schemaRef ds:uri="http://schemas.microsoft.com/sharepoint/v3/contenttype/forms"/>
-  </ds:schemaRefs>
-</ds:datastoreItem>
-</file>
-
 <file path=customXml/itemProps3.xml><?xml version="1.0" encoding="utf-8"?>
 <ds:datastoreItem xmlns:ds="http://schemas.openxmlformats.org/officeDocument/2006/customXml" ds:itemID="{4DEA9014-ED64-4558-B1E1-D03F0EE32BEB}">
   <ds:schemaRefs>

--- a/Equip_B/results/S2_Presentacion.pptx
+++ b/Equip_B/results/S2_Presentacion.pptx
@@ -350,7 +350,7 @@
             <a:pPr rtl="0"/>
             <a:fld id="{682C0B10-7CAE-41E4-AB02-7E8B1FF2B898}" type="slidenum">
               <a:rPr lang="es-ES" smtClean="0"/>
-              <a:t>‹#›</a:t>
+              <a:t>‹Nº›</a:t>
             </a:fld>
             <a:endParaRPr lang="es-ES"/>
           </a:p>
@@ -613,7 +613,7 @@
             <a:pPr rtl="0"/>
             <a:fld id="{8530193B-564F-4854-8A52-728F3FB19C85}" type="slidenum">
               <a:rPr lang="es-ES" noProof="0" smtClean="0"/>
-              <a:t>‹#›</a:t>
+              <a:t>‹Nº›</a:t>
             </a:fld>
             <a:endParaRPr lang="es-ES" noProof="0"/>
           </a:p>
@@ -9112,7 +9112,7 @@
                 </a:solidFill>
               </a:rPr>
               <a:pPr algn="r" rtl="0"/>
-              <a:t>‹#›</a:t>
+              <a:t>‹Nº›</a:t>
             </a:fld>
             <a:endParaRPr lang="es-ES" sz="1100" noProof="0">
               <a:solidFill>
@@ -14443,7 +14443,15 @@
             </a:r>
             <a:r>
               <a:rPr lang="es-ES" noProof="0" dirty="0"/>
-              <a:t>nuestras ofertas y promociones para alinearnos mayor con las características demográficas de nuestros clientes más valiosos? </a:t>
+              <a:t>nuestras ofertas y promociones para </a:t>
+            </a:r>
+            <a:r>
+              <a:rPr lang="es-ES" noProof="0"/>
+              <a:t>alinearnos mejor </a:t>
+            </a:r>
+            <a:r>
+              <a:rPr lang="es-ES" noProof="0" dirty="0"/>
+              <a:t>con las características demográficas de nuestros clientes más valiosos? </a:t>
             </a:r>
             <a:endParaRPr lang="es-ES" sz="2000" noProof="0" dirty="0"/>
           </a:p>
@@ -25876,15 +25884,6 @@
 </file>
 
 <file path=customXml/item1.xml><?xml version="1.0" encoding="utf-8"?>
-<?mso-contentType ?>
-<FormTemplates xmlns="http://schemas.microsoft.com/sharepoint/v3/contenttype/forms">
-  <Display>DocumentLibraryForm</Display>
-  <Edit>DocumentLibraryForm</Edit>
-  <New>DocumentLibraryForm</New>
-</FormTemplates>
-</file>
-
-<file path=customXml/item2.xml><?xml version="1.0" encoding="utf-8"?>
 <ct:contentTypeSchema xmlns:ct="http://schemas.microsoft.com/office/2006/metadata/contentType" xmlns:ma="http://schemas.microsoft.com/office/2006/metadata/properties/metaAttributes" ct:_="" ma:_="" ma:contentTypeName="Document" ma:contentTypeID="0x01010079F111ED35F8CC479449609E8A0923A6" ma:contentTypeVersion="12" ma:contentTypeDescription="Create a new document." ma:contentTypeScope="" ma:versionID="426e97fa315356fffbdcd9876fe988c2">
   <xsd:schema xmlns:xsd="http://www.w3.org/2001/XMLSchema" xmlns:xs="http://www.w3.org/2001/XMLSchema" xmlns:p="http://schemas.microsoft.com/office/2006/metadata/properties" xmlns:ns2="71af3243-3dd4-4a8d-8c0d-dd76da1f02a5" xmlns:ns3="16c05727-aa75-4e4a-9b5f-8a80a1165891" targetNamespace="http://schemas.microsoft.com/office/2006/metadata/properties" ma:root="true" ma:fieldsID="14b8f0def80e6d70ce3def20c90759ae" ns2:_="" ns3:_="">
     <xsd:import namespace="71af3243-3dd4-4a8d-8c0d-dd76da1f02a5"/>
@@ -26105,6 +26104,15 @@
 </ct:contentTypeSchema>
 </file>
 
+<file path=customXml/item2.xml><?xml version="1.0" encoding="utf-8"?>
+<?mso-contentType ?>
+<FormTemplates xmlns="http://schemas.microsoft.com/sharepoint/v3/contenttype/forms">
+  <Display>DocumentLibraryForm</Display>
+  <Edit>DocumentLibraryForm</Edit>
+  <New>DocumentLibraryForm</New>
+</FormTemplates>
+</file>
+
 <file path=customXml/item3.xml><?xml version="1.0" encoding="utf-8"?>
 <p:properties xmlns:p="http://schemas.microsoft.com/office/2006/metadata/properties" xmlns:xsi="http://www.w3.org/2001/XMLSchema-instance" xmlns:pc="http://schemas.microsoft.com/office/infopath/2007/PartnerControls">
   <documentManagement>
@@ -26115,14 +26123,6 @@
 </file>
 
 <file path=customXml/itemProps1.xml><?xml version="1.0" encoding="utf-8"?>
-<ds:datastoreItem xmlns:ds="http://schemas.openxmlformats.org/officeDocument/2006/customXml" ds:itemID="{05D99ABA-76CE-4A8E-B5F0-C051B96628DE}">
-  <ds:schemaRefs>
-    <ds:schemaRef ds:uri="http://schemas.microsoft.com/sharepoint/v3/contenttype/forms"/>
-  </ds:schemaRefs>
-</ds:datastoreItem>
-</file>
-
-<file path=customXml/itemProps2.xml><?xml version="1.0" encoding="utf-8"?>
 <ds:datastoreItem xmlns:ds="http://schemas.openxmlformats.org/officeDocument/2006/customXml" ds:itemID="{B19EB750-A6DA-4BE8-B87B-FC499FE73360}">
   <ds:schemaRefs>
     <ds:schemaRef ds:uri="http://schemas.microsoft.com/office/2006/metadata/contentType"/>
@@ -26141,6 +26141,14 @@
 </ds:datastoreItem>
 </file>
 
+<file path=customXml/itemProps2.xml><?xml version="1.0" encoding="utf-8"?>
+<ds:datastoreItem xmlns:ds="http://schemas.openxmlformats.org/officeDocument/2006/customXml" ds:itemID="{05D99ABA-76CE-4A8E-B5F0-C051B96628DE}">
+  <ds:schemaRefs>
+    <ds:schemaRef ds:uri="http://schemas.microsoft.com/sharepoint/v3/contenttype/forms"/>
+  </ds:schemaRefs>
+</ds:datastoreItem>
+</file>
+
 <file path=customXml/itemProps3.xml><?xml version="1.0" encoding="utf-8"?>
 <ds:datastoreItem xmlns:ds="http://schemas.openxmlformats.org/officeDocument/2006/customXml" ds:itemID="{4DEA9014-ED64-4558-B1E1-D03F0EE32BEB}">
   <ds:schemaRefs>
